--- a/Slides/07_Lecture.pptx
+++ b/Slides/07_Lecture.pptx
@@ -207,7 +207,7 @@
           <a:p>
             <a:fld id="{16136E8F-1965-6C44-A7B5-03BB9B497561}" type="datetimeFigureOut">
               <a:rPr lang="en-GB" smtClean="0"/>
-              <a:t>25/09/2017</a:t>
+              <a:t>07/11/2017</a:t>
             </a:fld>
             <a:endParaRPr lang="en-GB"/>
           </a:p>
@@ -606,7 +606,7 @@
           <a:p>
             <a:fld id="{C380D008-60B2-0246-B113-8E855462598C}" type="datetimeFigureOut">
               <a:rPr lang="en-GB" smtClean="0"/>
-              <a:t>25/09/2017</a:t>
+              <a:t>07/11/2017</a:t>
             </a:fld>
             <a:endParaRPr lang="en-GB"/>
           </a:p>
@@ -771,7 +771,7 @@
           <a:p>
             <a:fld id="{C380D008-60B2-0246-B113-8E855462598C}" type="datetimeFigureOut">
               <a:rPr lang="en-GB" smtClean="0"/>
-              <a:t>25/09/2017</a:t>
+              <a:t>07/11/2017</a:t>
             </a:fld>
             <a:endParaRPr lang="en-GB"/>
           </a:p>
@@ -946,7 +946,7 @@
           <a:p>
             <a:fld id="{C380D008-60B2-0246-B113-8E855462598C}" type="datetimeFigureOut">
               <a:rPr lang="en-GB" smtClean="0"/>
-              <a:t>25/09/2017</a:t>
+              <a:t>07/11/2017</a:t>
             </a:fld>
             <a:endParaRPr lang="en-GB"/>
           </a:p>
@@ -1111,7 +1111,7 @@
           <a:p>
             <a:fld id="{C380D008-60B2-0246-B113-8E855462598C}" type="datetimeFigureOut">
               <a:rPr lang="en-GB" smtClean="0"/>
-              <a:t>25/09/2017</a:t>
+              <a:t>07/11/2017</a:t>
             </a:fld>
             <a:endParaRPr lang="en-GB"/>
           </a:p>
@@ -1350,7 +1350,7 @@
           <a:p>
             <a:fld id="{C380D008-60B2-0246-B113-8E855462598C}" type="datetimeFigureOut">
               <a:rPr lang="en-GB" smtClean="0"/>
-              <a:t>25/09/2017</a:t>
+              <a:t>07/11/2017</a:t>
             </a:fld>
             <a:endParaRPr lang="en-GB"/>
           </a:p>
@@ -1577,7 +1577,7 @@
           <a:p>
             <a:fld id="{C380D008-60B2-0246-B113-8E855462598C}" type="datetimeFigureOut">
               <a:rPr lang="en-GB" smtClean="0"/>
-              <a:t>25/09/2017</a:t>
+              <a:t>07/11/2017</a:t>
             </a:fld>
             <a:endParaRPr lang="en-GB"/>
           </a:p>
@@ -1939,7 +1939,7 @@
           <a:p>
             <a:fld id="{C380D008-60B2-0246-B113-8E855462598C}" type="datetimeFigureOut">
               <a:rPr lang="en-GB" smtClean="0"/>
-              <a:t>25/09/2017</a:t>
+              <a:t>07/11/2017</a:t>
             </a:fld>
             <a:endParaRPr lang="en-GB"/>
           </a:p>
@@ -2052,7 +2052,7 @@
           <a:p>
             <a:fld id="{C380D008-60B2-0246-B113-8E855462598C}" type="datetimeFigureOut">
               <a:rPr lang="en-GB" smtClean="0"/>
-              <a:t>25/09/2017</a:t>
+              <a:t>07/11/2017</a:t>
             </a:fld>
             <a:endParaRPr lang="en-GB"/>
           </a:p>
@@ -2142,7 +2142,7 @@
           <a:p>
             <a:fld id="{C380D008-60B2-0246-B113-8E855462598C}" type="datetimeFigureOut">
               <a:rPr lang="en-GB" smtClean="0"/>
-              <a:t>25/09/2017</a:t>
+              <a:t>07/11/2017</a:t>
             </a:fld>
             <a:endParaRPr lang="en-GB"/>
           </a:p>
@@ -2414,7 +2414,7 @@
           <a:p>
             <a:fld id="{C380D008-60B2-0246-B113-8E855462598C}" type="datetimeFigureOut">
               <a:rPr lang="en-GB" smtClean="0"/>
-              <a:t>25/09/2017</a:t>
+              <a:t>07/11/2017</a:t>
             </a:fld>
             <a:endParaRPr lang="en-GB"/>
           </a:p>
@@ -2666,7 +2666,7 @@
           <a:p>
             <a:fld id="{C380D008-60B2-0246-B113-8E855462598C}" type="datetimeFigureOut">
               <a:rPr lang="en-GB" smtClean="0"/>
-              <a:t>25/09/2017</a:t>
+              <a:t>07/11/2017</a:t>
             </a:fld>
             <a:endParaRPr lang="en-GB"/>
           </a:p>
@@ -2874,7 +2874,7 @@
           <a:p>
             <a:fld id="{C380D008-60B2-0246-B113-8E855462598C}" type="datetimeFigureOut">
               <a:rPr lang="en-GB" smtClean="0"/>
-              <a:t>25/09/2017</a:t>
+              <a:t>07/11/2017</a:t>
             </a:fld>
             <a:endParaRPr lang="en-GB"/>
           </a:p>
@@ -3521,8 +3521,32 @@
               <a:buNone/>
             </a:pPr>
             <a:r>
-              <a:rPr lang="en-GB" smtClean="0"/>
-              <a:t>Alex D Singleton, Seth E Spielman, David C Folch (2017) Urban Analytics. London: Sage.</a:t>
+              <a:rPr lang="en-GB" dirty="0" smtClean="0"/>
+              <a:t>Alex D. Singleton, Seth E. </a:t>
+            </a:r>
+            <a:r>
+              <a:rPr lang="en-GB" dirty="0" err="1" smtClean="0"/>
+              <a:t>Spielman</a:t>
+            </a:r>
+            <a:r>
+              <a:rPr lang="en-GB" dirty="0" smtClean="0"/>
+              <a:t>, David C. </a:t>
+            </a:r>
+            <a:r>
+              <a:rPr lang="en-GB" dirty="0" err="1" smtClean="0"/>
+              <a:t>Folch</a:t>
+            </a:r>
+            <a:r>
+              <a:rPr lang="en-GB" dirty="0" smtClean="0"/>
+              <a:t> (2017) </a:t>
+            </a:r>
+            <a:r>
+              <a:rPr lang="en-GB" i="1" dirty="0" smtClean="0"/>
+              <a:t>Urban Analytics</a:t>
+            </a:r>
+            <a:r>
+              <a:rPr lang="en-GB" dirty="0" smtClean="0"/>
+              <a:t>. London: Sage.</a:t>
             </a:r>
             <a:endParaRPr lang="en-GB" dirty="0"/>
           </a:p>
@@ -3939,31 +3963,31 @@
           <a:lstStyle/>
           <a:p>
             <a:r>
+              <a:rPr lang="en-GB" smtClean="0"/>
+              <a:t>Conclusions</a:t>
+            </a:r>
+            <a:endParaRPr lang="en-GB" dirty="0"/>
+          </a:p>
+        </p:txBody>
+      </p:sp>
+      <p:sp>
+        <p:nvSpPr>
+          <p:cNvPr id="3" name="Content Placeholder 2"/>
+          <p:cNvSpPr>
+            <a:spLocks noGrp="1"/>
+          </p:cNvSpPr>
+          <p:nvPr>
+            <p:ph idx="1"/>
+          </p:nvPr>
+        </p:nvSpPr>
+        <p:spPr/>
+        <p:txBody>
+          <a:bodyPr/>
+          <a:lstStyle/>
+          <a:p>
+            <a:r>
               <a:rPr lang="en-GB" dirty="0" smtClean="0"/>
-              <a:t>Conclusion</a:t>
-            </a:r>
-            <a:endParaRPr lang="en-GB" dirty="0"/>
-          </a:p>
-        </p:txBody>
-      </p:sp>
-      <p:sp>
-        <p:nvSpPr>
-          <p:cNvPr id="3" name="Content Placeholder 2"/>
-          <p:cNvSpPr>
-            <a:spLocks noGrp="1"/>
-          </p:cNvSpPr>
-          <p:nvPr>
-            <p:ph idx="1"/>
-          </p:nvPr>
-        </p:nvSpPr>
-        <p:spPr/>
-        <p:txBody>
-          <a:bodyPr/>
-          <a:lstStyle/>
-          <a:p>
-            <a:r>
-              <a:rPr lang="en-GB" dirty="0" smtClean="0"/>
-              <a:t>Visualisation can be a power tool for communication</a:t>
+              <a:t>Visualization can be a power tool for communication</a:t>
             </a:r>
           </a:p>
           <a:p>
@@ -3996,11 +4020,7 @@
           <a:p>
             <a:r>
               <a:rPr lang="en-GB" dirty="0" smtClean="0"/>
-              <a:t>Effective visualization require careful consideration of the </a:t>
-            </a:r>
-            <a:r>
-              <a:rPr lang="en-GB" smtClean="0"/>
-              <a:t>visual hierarchy</a:t>
+              <a:t>Effective visualization require careful consideration of the visual hierarchy</a:t>
             </a:r>
             <a:endParaRPr lang="en-GB" dirty="0"/>
           </a:p>
@@ -4215,7 +4235,6 @@
               <a:rPr lang="en-US" dirty="0"/>
               <a:t>to information platforms used to make strategic decisions </a:t>
             </a:r>
-            <a:endParaRPr lang="en-US" dirty="0"/>
           </a:p>
           <a:p>
             <a:pPr lvl="1"/>
@@ -4313,8 +4332,8 @@
         </p:nvSpPr>
         <p:spPr>
           <a:xfrm>
-            <a:off x="2080950" y="5942567"/>
-            <a:ext cx="7063050" cy="738664"/>
+            <a:off x="345057" y="5942567"/>
+            <a:ext cx="8798943" cy="738664"/>
           </a:xfrm>
           <a:prstGeom prst="rect">
             <a:avLst/>
@@ -4332,13 +4351,25 @@
             </a:r>
             <a:r>
               <a:rPr lang="en-GB" sz="1400" dirty="0"/>
-              <a:t>share dashboard map showing live operating statistics for the lower East Side of Manhattan and part of Brooklyn </a:t>
-            </a:r>
-          </a:p>
-          <a:p>
+              <a:t>share dashboard map showing live operating statistics for the </a:t>
+            </a:r>
+            <a:r>
+              <a:rPr lang="en-GB" sz="1400" dirty="0" smtClean="0"/>
+              <a:t>Lower </a:t>
+            </a:r>
             <a:r>
               <a:rPr lang="en-GB" sz="1400" dirty="0"/>
-              <a:t>Source: Oliver O’Brien, University </a:t>
+              <a:t>East Side of Manhattan and part of Brooklyn </a:t>
+            </a:r>
+          </a:p>
+          <a:p>
+            <a:r>
+              <a:rPr lang="en-GB" sz="1400" i="1" dirty="0"/>
+              <a:t>Source</a:t>
+            </a:r>
+            <a:r>
+              <a:rPr lang="en-GB" sz="1400" dirty="0"/>
+              <a:t>: Oliver O’Brien, University </a:t>
             </a:r>
             <a:r>
               <a:rPr lang="en-GB" sz="1400" dirty="0" smtClean="0"/>
@@ -4346,24 +4377,13 @@
             </a:r>
             <a:r>
               <a:rPr lang="en-GB" sz="1400" dirty="0"/>
-              <a:t>(http://</a:t>
-            </a:r>
-            <a:r>
-              <a:rPr lang="en-GB" sz="1400" dirty="0" err="1"/>
-              <a:t>bikes.oobrien.com</a:t>
-            </a:r>
-            <a:r>
-              <a:rPr lang="en-GB" sz="1400" dirty="0"/>
-              <a:t>/</a:t>
-            </a:r>
-            <a:r>
-              <a:rPr lang="en-GB" sz="1400" dirty="0" err="1"/>
-              <a:t>newyork</a:t>
-            </a:r>
-            <a:r>
-              <a:rPr lang="en-GB" sz="1400" dirty="0"/>
-              <a:t>/). </a:t>
-            </a:r>
+              <a:t>(http://bikes.oobrien.com/newyork/). </a:t>
+            </a:r>
+            <a:r>
+              <a:rPr lang="en-GB" sz="1400" dirty="0" smtClean="0"/>
+              <a:t>Reprinted with permission.</a:t>
+            </a:r>
+            <a:endParaRPr lang="en-GB" sz="1400" dirty="0"/>
           </a:p>
         </p:txBody>
       </p:sp>
@@ -4453,8 +4473,8 @@
         </p:nvSpPr>
         <p:spPr>
           <a:xfrm>
-            <a:off x="3200400" y="6110703"/>
-            <a:ext cx="5943600" cy="954107"/>
+            <a:off x="370936" y="6110703"/>
+            <a:ext cx="8773064" cy="954107"/>
           </a:xfrm>
           <a:prstGeom prst="rect">
             <a:avLst/>
@@ -4476,29 +4496,33 @@
             </a:r>
             <a:r>
               <a:rPr lang="en-GB" sz="1400" dirty="0"/>
-              <a:t>Data Dashboard uses graphs to display key longitudinal trends and also provides a link to the </a:t>
-            </a:r>
-            <a:r>
-              <a:rPr lang="en-GB" sz="1400" dirty="0" err="1"/>
-              <a:t>london</a:t>
+              <a:t>Data Dashboard uses graphs to display key longitudinal trends and also provides a link to the L</a:t>
+            </a:r>
+            <a:r>
+              <a:rPr lang="en-GB" sz="1400" dirty="0" smtClean="0"/>
+              <a:t>ondon </a:t>
             </a:r>
             <a:r>
               <a:rPr lang="en-GB" sz="1400" dirty="0"/>
-              <a:t> Open Data Store </a:t>
-            </a:r>
-          </a:p>
-          <a:p>
+              <a:t>Open Data Store </a:t>
+            </a:r>
+          </a:p>
+          <a:p>
+            <a:r>
+              <a:rPr lang="en-GB" sz="1400" i="1" dirty="0"/>
+              <a:t>Source</a:t>
+            </a:r>
             <a:r>
               <a:rPr lang="en-GB" sz="1400" dirty="0"/>
-              <a:t>Source: https:// </a:t>
-            </a:r>
-            <a:r>
-              <a:rPr lang="en-GB" sz="1400" dirty="0" err="1"/>
-              <a:t>data.london.gov.uk</a:t>
+              <a:t>: https:// data.london.gov.uk/. </a:t>
+            </a:r>
+            <a:r>
+              <a:rPr lang="en-GB" sz="1400" dirty="0" smtClean="0"/>
+              <a:t>Reprinted with permission.</a:t>
             </a:r>
             <a:r>
               <a:rPr lang="en-GB" sz="1400" dirty="0"/>
-              <a:t>/. </a:t>
+              <a:t/>
             </a:r>
             <a:br>
               <a:rPr lang="en-GB" sz="1400" dirty="0"/>
@@ -4594,15 +4618,15 @@
         </p:nvSpPr>
         <p:spPr>
           <a:xfrm>
-            <a:off x="4572000" y="6050288"/>
-            <a:ext cx="4572000" cy="523220"/>
+            <a:off x="1915065" y="6050288"/>
+            <a:ext cx="7228936" cy="307777"/>
           </a:xfrm>
           <a:prstGeom prst="rect">
             <a:avLst/>
           </a:prstGeom>
         </p:spPr>
         <p:txBody>
-          <a:bodyPr>
+          <a:bodyPr wrap="square">
             <a:spAutoFit/>
           </a:bodyPr>
           <a:lstStyle/>
@@ -4751,7 +4775,6 @@
               <a:rPr lang="en-US" dirty="0"/>
               <a:t>American Community Survey (ACS) </a:t>
             </a:r>
-            <a:endParaRPr lang="en-US" dirty="0"/>
           </a:p>
           <a:p>
             <a:pPr lvl="1"/>
@@ -4759,7 +4782,6 @@
               <a:rPr lang="en-US" dirty="0"/>
               <a:t>Longitudinal Origin–Destination Employment Statistics (LODES) </a:t>
             </a:r>
-            <a:endParaRPr lang="en-US" dirty="0"/>
           </a:p>
           <a:p>
             <a:pPr lvl="1"/>
@@ -4863,8 +4885,8 @@
         </p:nvSpPr>
         <p:spPr>
           <a:xfrm>
-            <a:off x="2969315" y="6058525"/>
-            <a:ext cx="5546035" cy="954107"/>
+            <a:off x="845388" y="6205174"/>
+            <a:ext cx="7669961" cy="738664"/>
           </a:xfrm>
           <a:prstGeom prst="rect">
             <a:avLst/>
@@ -4891,8 +4913,12 @@
           </a:p>
           <a:p>
             <a:r>
+              <a:rPr lang="en-GB" sz="1400" i="1" dirty="0"/>
+              <a:t>Source</a:t>
+            </a:r>
+            <a:r>
               <a:rPr lang="en-GB" sz="1400" dirty="0"/>
-              <a:t>Source: Map created by </a:t>
+              <a:t>: Map created by </a:t>
             </a:r>
             <a:r>
               <a:rPr lang="en-GB" sz="1400" dirty="0" err="1"/>
@@ -4917,6 +4943,14 @@
             <a:r>
               <a:rPr lang="en-GB" sz="1400" dirty="0"/>
               <a:t>. </a:t>
+            </a:r>
+            <a:r>
+              <a:rPr lang="en-GB" sz="1400" dirty="0" smtClean="0"/>
+              <a:t>Reprinted with permission</a:t>
+            </a:r>
+            <a:r>
+              <a:rPr lang="en-GB" sz="1400" dirty="0"/>
+              <a:t/>
             </a:r>
             <a:br>
               <a:rPr lang="en-GB" sz="1400" dirty="0"/>
@@ -5016,22 +5050,36 @@
         </p:nvSpPr>
         <p:spPr>
           <a:xfrm>
-            <a:off x="3943350" y="5533120"/>
-            <a:ext cx="4572000" cy="523220"/>
+            <a:off x="2907102" y="5533120"/>
+            <a:ext cx="5608248" cy="523220"/>
           </a:xfrm>
           <a:prstGeom prst="rect">
             <a:avLst/>
           </a:prstGeom>
         </p:spPr>
         <p:txBody>
-          <a:bodyPr>
+          <a:bodyPr wrap="square">
             <a:spAutoFit/>
           </a:bodyPr>
           <a:lstStyle/>
           <a:p>
             <a:r>
               <a:rPr lang="en-GB" sz="1400" dirty="0"/>
-              <a:t>Four stages of a visualization work ow Source: adapted from Kirk (2016) </a:t>
+              <a:t>Four stages of a visualization work </a:t>
+            </a:r>
+            <a:r>
+              <a:rPr lang="en-GB" sz="1400" dirty="0" smtClean="0"/>
+              <a:t>flow </a:t>
+            </a:r>
+          </a:p>
+          <a:p>
+            <a:r>
+              <a:rPr lang="en-GB" sz="1400" i="1" dirty="0" smtClean="0"/>
+              <a:t>Source</a:t>
+            </a:r>
+            <a:r>
+              <a:rPr lang="en-GB" sz="1400" dirty="0"/>
+              <a:t>: adapted from Kirk (2016) </a:t>
             </a:r>
           </a:p>
         </p:txBody>
